--- a/2.论文撰写/国赛画图ppt.pptx
+++ b/2.论文撰写/国赛画图ppt.pptx
@@ -8,6 +8,7 @@
     <p:sldId id="256" r:id="rId2"/>
     <p:sldId id="257" r:id="rId3"/>
     <p:sldId id="258" r:id="rId4"/>
+    <p:sldId id="259" r:id="rId5"/>
   </p:sldIdLst>
   <p:sldSz cx="12192000" cy="6858000"/>
   <p:notesSz cx="6858000" cy="9144000"/>
@@ -4180,6 +4181,123 @@
           </a:p>
         </p:txBody>
       </p:sp>
+      <mc:AlternateContent xmlns:mc="http://schemas.openxmlformats.org/markup-compatibility/2006">
+        <mc:Choice xmlns:a14="http://schemas.microsoft.com/office/drawing/2010/main" Requires="a14">
+          <p:sp>
+            <p:nvSpPr>
+              <p:cNvPr id="3" name="文本框 2">
+                <a:extLst>
+                  <a:ext uri="{FF2B5EF4-FFF2-40B4-BE49-F238E27FC236}">
+                    <a16:creationId xmlns:a16="http://schemas.microsoft.com/office/drawing/2014/main" id="{C2024FEE-3486-91C1-BA9E-563CC4D715E1}"/>
+                  </a:ext>
+                </a:extLst>
+              </p:cNvPr>
+              <p:cNvSpPr txBox="1"/>
+              <p:nvPr/>
+            </p:nvSpPr>
+            <p:spPr>
+              <a:xfrm>
+                <a:off x="6398395" y="1514088"/>
+                <a:ext cx="493277" cy="276999"/>
+              </a:xfrm>
+              <a:prstGeom prst="rect">
+                <a:avLst/>
+              </a:prstGeom>
+              <a:noFill/>
+            </p:spPr>
+            <p:txBody>
+              <a:bodyPr wrap="none" lIns="0" tIns="0" rIns="0" bIns="0" rtlCol="0">
+                <a:spAutoFit/>
+              </a:bodyPr>
+              <a:lstStyle/>
+              <a:p>
+                <a14:m>
+                  <m:oMathPara xmlns:m="http://schemas.openxmlformats.org/officeDocument/2006/math">
+                    <m:oMathParaPr>
+                      <m:jc m:val="centerGroup"/>
+                    </m:oMathParaPr>
+                    <m:oMath xmlns:m="http://schemas.openxmlformats.org/officeDocument/2006/math">
+                      <m:sSub>
+                        <m:sSubPr>
+                          <m:ctrlPr>
+                            <a:rPr lang="zh-CN" altLang="en-US" i="1" smtClean="0">
+                              <a:solidFill>
+                                <a:srgbClr val="836967"/>
+                              </a:solidFill>
+                              <a:latin typeface="Cambria Math" panose="02040503050406030204" pitchFamily="18" charset="0"/>
+                            </a:rPr>
+                          </m:ctrlPr>
+                        </m:sSubPr>
+                        <m:e>
+                          <m:r>
+                            <a:rPr lang="zh-CN" altLang="en-US" i="1" smtClean="0">
+                              <a:latin typeface="Cambria Math" panose="02040503050406030204" pitchFamily="18" charset="0"/>
+                            </a:rPr>
+                            <m:t>𝜈</m:t>
+                          </m:r>
+                        </m:e>
+                        <m:sub>
+                          <m:r>
+                            <a:rPr lang="zh-CN" altLang="en-US" i="1" smtClean="0">
+                              <a:latin typeface="Cambria Math" panose="02040503050406030204" pitchFamily="18" charset="0"/>
+                            </a:rPr>
+                            <m:t>𝑢𝑎𝑣</m:t>
+                          </m:r>
+                        </m:sub>
+                      </m:sSub>
+                    </m:oMath>
+                  </m:oMathPara>
+                </a14:m>
+                <a:endParaRPr lang="zh-CN" altLang="en-US" dirty="0"/>
+              </a:p>
+            </p:txBody>
+          </p:sp>
+        </mc:Choice>
+        <mc:Fallback>
+          <p:sp>
+            <p:nvSpPr>
+              <p:cNvPr id="3" name="文本框 2">
+                <a:extLst>
+                  <a:ext uri="{FF2B5EF4-FFF2-40B4-BE49-F238E27FC236}">
+                    <a16:creationId xmlns:a16="http://schemas.microsoft.com/office/drawing/2014/main" id="{C2024FEE-3486-91C1-BA9E-563CC4D715E1}"/>
+                  </a:ext>
+                </a:extLst>
+              </p:cNvPr>
+              <p:cNvSpPr txBox="1">
+                <a:spLocks noRot="1" noChangeAspect="1" noMove="1" noResize="1" noEditPoints="1" noAdjustHandles="1" noChangeArrowheads="1" noChangeShapeType="1" noTextEdit="1"/>
+              </p:cNvSpPr>
+              <p:nvPr/>
+            </p:nvSpPr>
+            <p:spPr>
+              <a:xfrm>
+                <a:off x="6398395" y="1514088"/>
+                <a:ext cx="493277" cy="276999"/>
+              </a:xfrm>
+              <a:prstGeom prst="rect">
+                <a:avLst/>
+              </a:prstGeom>
+              <a:blipFill>
+                <a:blip r:embed="rId3"/>
+                <a:stretch>
+                  <a:fillRect l="-6173" b="-10870"/>
+                </a:stretch>
+              </a:blipFill>
+            </p:spPr>
+            <p:txBody>
+              <a:bodyPr/>
+              <a:lstStyle/>
+              <a:p>
+                <a:r>
+                  <a:rPr lang="zh-CN" altLang="en-US">
+                    <a:noFill/>
+                  </a:rPr>
+                  <a:t> </a:t>
+                </a:r>
+              </a:p>
+            </p:txBody>
+          </p:sp>
+        </mc:Fallback>
+      </mc:AlternateContent>
     </p:spTree>
     <p:custDataLst>
       <p:tags r:id="rId1"/>
@@ -5405,6 +5523,513 @@
     <p:custDataLst>
       <p:tags r:id="rId1"/>
     </p:custDataLst>
+  </p:cSld>
+  <p:clrMapOvr>
+    <a:masterClrMapping/>
+  </p:clrMapOvr>
+</p:sld>
+</file>
+
+<file path=ppt/slides/slide4.xml><?xml version="1.0" encoding="utf-8"?>
+<p:sld xmlns:a="http://schemas.openxmlformats.org/drawingml/2006/main" xmlns:r="http://schemas.openxmlformats.org/officeDocument/2006/relationships" xmlns:p="http://schemas.openxmlformats.org/presentationml/2006/main">
+  <p:cSld>
+    <p:spTree>
+      <p:nvGrpSpPr>
+        <p:cNvPr id="1" name=""/>
+        <p:cNvGrpSpPr/>
+        <p:nvPr/>
+      </p:nvGrpSpPr>
+      <p:grpSpPr>
+        <a:xfrm>
+          <a:off x="0" y="0"/>
+          <a:ext cx="0" cy="0"/>
+          <a:chOff x="0" y="0"/>
+          <a:chExt cx="0" cy="0"/>
+        </a:xfrm>
+      </p:grpSpPr>
+      <mc:AlternateContent xmlns:mc="http://schemas.openxmlformats.org/markup-compatibility/2006">
+        <mc:Choice xmlns:a14="http://schemas.microsoft.com/office/drawing/2010/main" Requires="a14">
+          <p:sp>
+            <p:nvSpPr>
+              <p:cNvPr id="5" name="文本框 4">
+                <a:extLst>
+                  <a:ext uri="{FF2B5EF4-FFF2-40B4-BE49-F238E27FC236}">
+                    <a16:creationId xmlns:a16="http://schemas.microsoft.com/office/drawing/2014/main" id="{AF806ED9-EABB-C506-D5DF-9F1C5A65D6D4}"/>
+                  </a:ext>
+                </a:extLst>
+              </p:cNvPr>
+              <p:cNvSpPr txBox="1"/>
+              <p:nvPr/>
+            </p:nvSpPr>
+            <p:spPr>
+              <a:xfrm>
+                <a:off x="2305050" y="1437888"/>
+                <a:ext cx="493277" cy="276999"/>
+              </a:xfrm>
+              <a:prstGeom prst="rect">
+                <a:avLst/>
+              </a:prstGeom>
+              <a:noFill/>
+            </p:spPr>
+            <p:txBody>
+              <a:bodyPr wrap="none" lIns="0" tIns="0" rIns="0" bIns="0" rtlCol="0">
+                <a:spAutoFit/>
+              </a:bodyPr>
+              <a:lstStyle/>
+              <a:p>
+                <a14:m>
+                  <m:oMathPara xmlns:m="http://schemas.openxmlformats.org/officeDocument/2006/math">
+                    <m:oMathParaPr>
+                      <m:jc m:val="centerGroup"/>
+                    </m:oMathParaPr>
+                    <m:oMath xmlns:m="http://schemas.openxmlformats.org/officeDocument/2006/math">
+                      <m:sSub>
+                        <m:sSubPr>
+                          <m:ctrlPr>
+                            <a:rPr lang="zh-CN" altLang="en-US" i="1" smtClean="0">
+                              <a:solidFill>
+                                <a:srgbClr val="836967"/>
+                              </a:solidFill>
+                              <a:latin typeface="Cambria Math" panose="02040503050406030204" pitchFamily="18" charset="0"/>
+                            </a:rPr>
+                          </m:ctrlPr>
+                        </m:sSubPr>
+                        <m:e>
+                          <m:r>
+                            <a:rPr lang="zh-CN" altLang="en-US" i="1" smtClean="0">
+                              <a:latin typeface="Cambria Math" panose="02040503050406030204" pitchFamily="18" charset="0"/>
+                            </a:rPr>
+                            <m:t>𝜈</m:t>
+                          </m:r>
+                        </m:e>
+                        <m:sub>
+                          <m:r>
+                            <a:rPr lang="zh-CN" altLang="en-US" i="1" smtClean="0">
+                              <a:latin typeface="Cambria Math" panose="02040503050406030204" pitchFamily="18" charset="0"/>
+                            </a:rPr>
+                            <m:t>𝑢𝑎𝑣</m:t>
+                          </m:r>
+                        </m:sub>
+                      </m:sSub>
+                    </m:oMath>
+                  </m:oMathPara>
+                </a14:m>
+                <a:endParaRPr lang="zh-CN" altLang="en-US" dirty="0"/>
+              </a:p>
+            </p:txBody>
+          </p:sp>
+        </mc:Choice>
+        <mc:Fallback>
+          <p:sp>
+            <p:nvSpPr>
+              <p:cNvPr id="5" name="文本框 4">
+                <a:extLst>
+                  <a:ext uri="{FF2B5EF4-FFF2-40B4-BE49-F238E27FC236}">
+                    <a16:creationId xmlns:a16="http://schemas.microsoft.com/office/drawing/2014/main" id="{AF806ED9-EABB-C506-D5DF-9F1C5A65D6D4}"/>
+                  </a:ext>
+                </a:extLst>
+              </p:cNvPr>
+              <p:cNvSpPr txBox="1">
+                <a:spLocks noRot="1" noChangeAspect="1" noMove="1" noResize="1" noEditPoints="1" noAdjustHandles="1" noChangeArrowheads="1" noChangeShapeType="1" noTextEdit="1"/>
+              </p:cNvSpPr>
+              <p:nvPr/>
+            </p:nvSpPr>
+            <p:spPr>
+              <a:xfrm>
+                <a:off x="2305050" y="1437888"/>
+                <a:ext cx="493277" cy="276999"/>
+              </a:xfrm>
+              <a:prstGeom prst="rect">
+                <a:avLst/>
+              </a:prstGeom>
+              <a:blipFill>
+                <a:blip r:embed="rId2"/>
+                <a:stretch>
+                  <a:fillRect l="-6173" b="-11111"/>
+                </a:stretch>
+              </a:blipFill>
+            </p:spPr>
+            <p:txBody>
+              <a:bodyPr/>
+              <a:lstStyle/>
+              <a:p>
+                <a:r>
+                  <a:rPr lang="zh-CN" altLang="en-US">
+                    <a:noFill/>
+                  </a:rPr>
+                  <a:t> </a:t>
+                </a:r>
+              </a:p>
+            </p:txBody>
+          </p:sp>
+        </mc:Fallback>
+      </mc:AlternateContent>
+      <mc:AlternateContent xmlns:mc="http://schemas.openxmlformats.org/markup-compatibility/2006">
+        <mc:Choice xmlns:a14="http://schemas.microsoft.com/office/drawing/2010/main" Requires="a14">
+          <p:sp>
+            <p:nvSpPr>
+              <p:cNvPr id="6" name="文本框 5">
+                <a:extLst>
+                  <a:ext uri="{FF2B5EF4-FFF2-40B4-BE49-F238E27FC236}">
+                    <a16:creationId xmlns:a16="http://schemas.microsoft.com/office/drawing/2014/main" id="{411844B2-EED3-5F84-7B57-3E9E4227B5DA}"/>
+                  </a:ext>
+                </a:extLst>
+              </p:cNvPr>
+              <p:cNvSpPr txBox="1"/>
+              <p:nvPr/>
+            </p:nvSpPr>
+            <p:spPr>
+              <a:xfrm>
+                <a:off x="2412162" y="2971799"/>
+                <a:ext cx="502061" cy="276999"/>
+              </a:xfrm>
+              <a:prstGeom prst="rect">
+                <a:avLst/>
+              </a:prstGeom>
+              <a:noFill/>
+            </p:spPr>
+            <p:txBody>
+              <a:bodyPr wrap="none" lIns="0" tIns="0" rIns="0" bIns="0" rtlCol="0">
+                <a:spAutoFit/>
+              </a:bodyPr>
+              <a:lstStyle/>
+              <a:p>
+                <a14:m>
+                  <m:oMathPara xmlns:m="http://schemas.openxmlformats.org/officeDocument/2006/math">
+                    <m:oMathParaPr>
+                      <m:jc m:val="centerGroup"/>
+                    </m:oMathParaPr>
+                    <m:oMath xmlns:m="http://schemas.openxmlformats.org/officeDocument/2006/math">
+                      <m:sSub>
+                        <m:sSubPr>
+                          <m:ctrlPr>
+                            <a:rPr lang="zh-CN" altLang="en-US" i="1" smtClean="0">
+                              <a:solidFill>
+                                <a:srgbClr val="836967"/>
+                              </a:solidFill>
+                              <a:latin typeface="Cambria Math" panose="02040503050406030204" pitchFamily="18" charset="0"/>
+                            </a:rPr>
+                          </m:ctrlPr>
+                        </m:sSubPr>
+                        <m:e>
+                          <m:r>
+                            <a:rPr lang="zh-CN" altLang="en-US" i="1" smtClean="0">
+                              <a:latin typeface="Cambria Math" panose="02040503050406030204" pitchFamily="18" charset="0"/>
+                            </a:rPr>
+                            <m:t>𝜃</m:t>
+                          </m:r>
+                        </m:e>
+                        <m:sub>
+                          <m:r>
+                            <a:rPr lang="zh-CN" altLang="en-US" i="1" smtClean="0">
+                              <a:latin typeface="Cambria Math" panose="02040503050406030204" pitchFamily="18" charset="0"/>
+                            </a:rPr>
+                            <m:t>𝑢𝑎𝑣</m:t>
+                          </m:r>
+                        </m:sub>
+                      </m:sSub>
+                    </m:oMath>
+                  </m:oMathPara>
+                </a14:m>
+                <a:endParaRPr lang="zh-CN" altLang="en-US" dirty="0"/>
+              </a:p>
+            </p:txBody>
+          </p:sp>
+        </mc:Choice>
+        <mc:Fallback>
+          <p:sp>
+            <p:nvSpPr>
+              <p:cNvPr id="6" name="文本框 5">
+                <a:extLst>
+                  <a:ext uri="{FF2B5EF4-FFF2-40B4-BE49-F238E27FC236}">
+                    <a16:creationId xmlns:a16="http://schemas.microsoft.com/office/drawing/2014/main" id="{411844B2-EED3-5F84-7B57-3E9E4227B5DA}"/>
+                  </a:ext>
+                </a:extLst>
+              </p:cNvPr>
+              <p:cNvSpPr txBox="1">
+                <a:spLocks noRot="1" noChangeAspect="1" noMove="1" noResize="1" noEditPoints="1" noAdjustHandles="1" noChangeArrowheads="1" noChangeShapeType="1" noTextEdit="1"/>
+              </p:cNvSpPr>
+              <p:nvPr/>
+            </p:nvSpPr>
+            <p:spPr>
+              <a:xfrm>
+                <a:off x="2412162" y="2971799"/>
+                <a:ext cx="502061" cy="276999"/>
+              </a:xfrm>
+              <a:prstGeom prst="rect">
+                <a:avLst/>
+              </a:prstGeom>
+              <a:blipFill>
+                <a:blip r:embed="rId3"/>
+                <a:stretch>
+                  <a:fillRect l="-10976" b="-10870"/>
+                </a:stretch>
+              </a:blipFill>
+            </p:spPr>
+            <p:txBody>
+              <a:bodyPr/>
+              <a:lstStyle/>
+              <a:p>
+                <a:r>
+                  <a:rPr lang="zh-CN" altLang="en-US">
+                    <a:noFill/>
+                  </a:rPr>
+                  <a:t> </a:t>
+                </a:r>
+              </a:p>
+            </p:txBody>
+          </p:sp>
+        </mc:Fallback>
+      </mc:AlternateContent>
+      <mc:AlternateContent xmlns:mc="http://schemas.openxmlformats.org/markup-compatibility/2006">
+        <mc:Choice xmlns:a14="http://schemas.microsoft.com/office/drawing/2010/main" Requires="a14">
+          <p:sp>
+            <p:nvSpPr>
+              <p:cNvPr id="7" name="文本框 6">
+                <a:extLst>
+                  <a:ext uri="{FF2B5EF4-FFF2-40B4-BE49-F238E27FC236}">
+                    <a16:creationId xmlns:a16="http://schemas.microsoft.com/office/drawing/2014/main" id="{3E2C8CEA-8CCC-61C7-3219-62A8801402A8}"/>
+                  </a:ext>
+                </a:extLst>
+              </p:cNvPr>
+              <p:cNvSpPr txBox="1"/>
+              <p:nvPr/>
+            </p:nvSpPr>
+            <p:spPr>
+              <a:xfrm>
+                <a:off x="2305050" y="2247900"/>
+                <a:ext cx="716286" cy="302519"/>
+              </a:xfrm>
+              <a:prstGeom prst="rect">
+                <a:avLst/>
+              </a:prstGeom>
+              <a:noFill/>
+            </p:spPr>
+            <p:txBody>
+              <a:bodyPr wrap="none" lIns="0" tIns="0" rIns="0" bIns="0" rtlCol="0">
+                <a:spAutoFit/>
+              </a:bodyPr>
+              <a:lstStyle/>
+              <a:p>
+                <a14:m>
+                  <m:oMathPara xmlns:m="http://schemas.openxmlformats.org/officeDocument/2006/math">
+                    <m:oMathParaPr>
+                      <m:jc m:val="centerGroup"/>
+                    </m:oMathParaPr>
+                    <m:oMath xmlns:m="http://schemas.openxmlformats.org/officeDocument/2006/math">
+                      <m:sSub>
+                        <m:sSubPr>
+                          <m:ctrlPr>
+                            <a:rPr lang="zh-CN" altLang="en-US" i="1" smtClean="0">
+                              <a:solidFill>
+                                <a:srgbClr val="836967"/>
+                              </a:solidFill>
+                              <a:latin typeface="Cambria Math" panose="02040503050406030204" pitchFamily="18" charset="0"/>
+                            </a:rPr>
+                          </m:ctrlPr>
+                        </m:sSubPr>
+                        <m:e>
+                          <m:r>
+                            <a:rPr lang="zh-CN" altLang="en-US" i="1" smtClean="0">
+                              <a:latin typeface="Cambria Math" panose="02040503050406030204" pitchFamily="18" charset="0"/>
+                            </a:rPr>
+                            <m:t>𝑡</m:t>
+                          </m:r>
+                        </m:e>
+                        <m:sub>
+                          <m:r>
+                            <a:rPr lang="zh-CN" altLang="en-US" i="1" smtClean="0">
+                              <a:latin typeface="Cambria Math" panose="02040503050406030204" pitchFamily="18" charset="0"/>
+                            </a:rPr>
+                            <m:t>𝑑𝑒𝑝</m:t>
+                          </m:r>
+                          <m:r>
+                            <m:rPr>
+                              <m:sty m:val="p"/>
+                            </m:rPr>
+                            <a:rPr lang="en-US" altLang="zh-CN" i="1">
+                              <a:latin typeface="Cambria Math" panose="02040503050406030204" pitchFamily="18" charset="0"/>
+                            </a:rPr>
+                            <m:t>oly</m:t>
+                          </m:r>
+                        </m:sub>
+                      </m:sSub>
+                    </m:oMath>
+                  </m:oMathPara>
+                </a14:m>
+                <a:endParaRPr lang="zh-CN" altLang="en-US" dirty="0"/>
+              </a:p>
+            </p:txBody>
+          </p:sp>
+        </mc:Choice>
+        <mc:Fallback>
+          <p:sp>
+            <p:nvSpPr>
+              <p:cNvPr id="7" name="文本框 6">
+                <a:extLst>
+                  <a:ext uri="{FF2B5EF4-FFF2-40B4-BE49-F238E27FC236}">
+                    <a16:creationId xmlns:a16="http://schemas.microsoft.com/office/drawing/2014/main" id="{3E2C8CEA-8CCC-61C7-3219-62A8801402A8}"/>
+                  </a:ext>
+                </a:extLst>
+              </p:cNvPr>
+              <p:cNvSpPr txBox="1">
+                <a:spLocks noRot="1" noChangeAspect="1" noMove="1" noResize="1" noEditPoints="1" noAdjustHandles="1" noChangeArrowheads="1" noChangeShapeType="1" noTextEdit="1"/>
+              </p:cNvSpPr>
+              <p:nvPr/>
+            </p:nvSpPr>
+            <p:spPr>
+              <a:xfrm>
+                <a:off x="2305050" y="2247900"/>
+                <a:ext cx="716286" cy="302519"/>
+              </a:xfrm>
+              <a:prstGeom prst="rect">
+                <a:avLst/>
+              </a:prstGeom>
+              <a:blipFill>
+                <a:blip r:embed="rId4"/>
+                <a:stretch>
+                  <a:fillRect l="-5085" r="-5932" b="-28571"/>
+                </a:stretch>
+              </a:blipFill>
+            </p:spPr>
+            <p:txBody>
+              <a:bodyPr/>
+              <a:lstStyle/>
+              <a:p>
+                <a:r>
+                  <a:rPr lang="zh-CN" altLang="en-US">
+                    <a:noFill/>
+                  </a:rPr>
+                  <a:t> </a:t>
+                </a:r>
+              </a:p>
+            </p:txBody>
+          </p:sp>
+        </mc:Fallback>
+      </mc:AlternateContent>
+      <mc:AlternateContent xmlns:mc="http://schemas.openxmlformats.org/markup-compatibility/2006">
+        <mc:Choice xmlns:a14="http://schemas.microsoft.com/office/drawing/2010/main" Requires="a14">
+          <p:sp>
+            <p:nvSpPr>
+              <p:cNvPr id="8" name="文本框 7">
+                <a:extLst>
+                  <a:ext uri="{FF2B5EF4-FFF2-40B4-BE49-F238E27FC236}">
+                    <a16:creationId xmlns:a16="http://schemas.microsoft.com/office/drawing/2014/main" id="{A4EE4FDE-2681-CAA4-1566-9CEE72F454D9}"/>
+                  </a:ext>
+                </a:extLst>
+              </p:cNvPr>
+              <p:cNvSpPr txBox="1"/>
+              <p:nvPr/>
+            </p:nvSpPr>
+            <p:spPr>
+              <a:xfrm>
+                <a:off x="2412162" y="1787077"/>
+                <a:ext cx="534312" cy="299249"/>
+              </a:xfrm>
+              <a:prstGeom prst="rect">
+                <a:avLst/>
+              </a:prstGeom>
+              <a:noFill/>
+            </p:spPr>
+            <p:txBody>
+              <a:bodyPr wrap="none" lIns="0" tIns="0" rIns="0" bIns="0" rtlCol="0">
+                <a:spAutoFit/>
+              </a:bodyPr>
+              <a:lstStyle/>
+              <a:p>
+                <a14:m>
+                  <m:oMathPara xmlns:m="http://schemas.openxmlformats.org/officeDocument/2006/math">
+                    <m:oMathParaPr>
+                      <m:jc m:val="centerGroup"/>
+                    </m:oMathParaPr>
+                    <m:oMath xmlns:m="http://schemas.openxmlformats.org/officeDocument/2006/math">
+                      <m:sSub>
+                        <m:sSubPr>
+                          <m:ctrlPr>
+                            <a:rPr lang="zh-CN" altLang="en-US" i="1" smtClean="0">
+                              <a:solidFill>
+                                <a:srgbClr val="836967"/>
+                              </a:solidFill>
+                              <a:latin typeface="Cambria Math" panose="02040503050406030204" pitchFamily="18" charset="0"/>
+                            </a:rPr>
+                          </m:ctrlPr>
+                        </m:sSubPr>
+                        <m:e>
+                          <m:r>
+                            <a:rPr lang="zh-CN" altLang="en-US" i="1" smtClean="0">
+                              <a:latin typeface="Cambria Math" panose="02040503050406030204" pitchFamily="18" charset="0"/>
+                            </a:rPr>
+                            <m:t>𝑡</m:t>
+                          </m:r>
+                        </m:e>
+                        <m:sub>
+                          <m:r>
+                            <a:rPr lang="en-US" altLang="zh-CN" i="1">
+                              <a:latin typeface="Cambria Math" panose="02040503050406030204" pitchFamily="18" charset="0"/>
+                            </a:rPr>
+                            <m:t>𝑓𝑢𝑠𝑒</m:t>
+                          </m:r>
+                        </m:sub>
+                      </m:sSub>
+                    </m:oMath>
+                  </m:oMathPara>
+                </a14:m>
+                <a:endParaRPr lang="zh-CN" altLang="en-US" dirty="0"/>
+              </a:p>
+            </p:txBody>
+          </p:sp>
+        </mc:Choice>
+        <mc:Fallback>
+          <p:sp>
+            <p:nvSpPr>
+              <p:cNvPr id="8" name="文本框 7">
+                <a:extLst>
+                  <a:ext uri="{FF2B5EF4-FFF2-40B4-BE49-F238E27FC236}">
+                    <a16:creationId xmlns:a16="http://schemas.microsoft.com/office/drawing/2014/main" id="{A4EE4FDE-2681-CAA4-1566-9CEE72F454D9}"/>
+                  </a:ext>
+                </a:extLst>
+              </p:cNvPr>
+              <p:cNvSpPr txBox="1">
+                <a:spLocks noRot="1" noChangeAspect="1" noMove="1" noResize="1" noEditPoints="1" noAdjustHandles="1" noChangeArrowheads="1" noChangeShapeType="1" noTextEdit="1"/>
+              </p:cNvSpPr>
+              <p:nvPr/>
+            </p:nvSpPr>
+            <p:spPr>
+              <a:xfrm>
+                <a:off x="2412162" y="1787077"/>
+                <a:ext cx="534312" cy="299249"/>
+              </a:xfrm>
+              <a:prstGeom prst="rect">
+                <a:avLst/>
+              </a:prstGeom>
+              <a:blipFill>
+                <a:blip r:embed="rId5"/>
+                <a:stretch>
+                  <a:fillRect l="-9195" r="-8046" b="-28571"/>
+                </a:stretch>
+              </a:blipFill>
+            </p:spPr>
+            <p:txBody>
+              <a:bodyPr/>
+              <a:lstStyle/>
+              <a:p>
+                <a:r>
+                  <a:rPr lang="zh-CN" altLang="en-US">
+                    <a:noFill/>
+                  </a:rPr>
+                  <a:t> </a:t>
+                </a:r>
+              </a:p>
+            </p:txBody>
+          </p:sp>
+        </mc:Fallback>
+      </mc:AlternateContent>
+    </p:spTree>
+    <p:extLst>
+      <p:ext uri="{BB962C8B-B14F-4D97-AF65-F5344CB8AC3E}">
+        <p14:creationId xmlns:p14="http://schemas.microsoft.com/office/powerpoint/2010/main" val="2910329343"/>
+      </p:ext>
+    </p:extLst>
   </p:cSld>
   <p:clrMapOvr>
     <a:masterClrMapping/>
